--- a/presentation.pptx
+++ b/presentation.pptx
@@ -3407,7 +3407,12 @@
             <p:ph type="ctrTitle"/>
           </p:nvPr>
         </p:nvSpPr>
-        <p:spPr/>
+        <p:spPr>
+          <a:xfrm>
+            <a:off x="2006886" y="1050444"/>
+            <a:ext cx="9144000" cy="2387600"/>
+          </a:xfrm>
+        </p:spPr>
         <p:txBody>
           <a:bodyPr/>
           <a:lstStyle/>
@@ -3441,7 +3446,12 @@
             <p:ph type="subTitle" idx="1"/>
           </p:nvPr>
         </p:nvSpPr>
-        <p:spPr/>
+        <p:spPr>
+          <a:xfrm>
+            <a:off x="2006886" y="3530119"/>
+            <a:ext cx="9144000" cy="1655762"/>
+          </a:xfrm>
+        </p:spPr>
         <p:txBody>
           <a:bodyPr/>
           <a:lstStyle/>
@@ -6043,8 +6053,8 @@
           </a:p>
         </p:txBody>
       </p:sp>
-      <mc:AlternateContent xmlns:mc="http://schemas.openxmlformats.org/markup-compatibility/2006">
-        <mc:Choice xmlns:a14="http://schemas.microsoft.com/office/drawing/2010/main" Requires="a14">
+      <mc:AlternateContent xmlns:mc="http://schemas.openxmlformats.org/markup-compatibility/2006" xmlns:a14="http://schemas.microsoft.com/office/drawing/2010/main">
+        <mc:Choice Requires="a14">
           <p:sp>
             <p:nvSpPr>
               <p:cNvPr id="5" name="TextBox 4">
@@ -6073,6 +6083,7 @@
               </a:bodyPr>
               <a:lstStyle/>
               <a:p>
+                <a:pPr/>
                 <a14:m>
                   <m:oMathPara xmlns:m="http://schemas.openxmlformats.org/officeDocument/2006/math">
                     <m:oMathParaPr>
@@ -6137,7 +6148,7 @@
             </p:txBody>
           </p:sp>
         </mc:Choice>
-        <mc:Fallback>
+        <mc:Fallback xmlns="">
           <p:sp>
             <p:nvSpPr>
               <p:cNvPr id="5" name="TextBox 4">
@@ -7002,6 +7013,42 @@
           </a:p>
         </p:txBody>
       </p:sp>
+      <p:pic>
+        <p:nvPicPr>
+          <p:cNvPr id="7" name="Рисунок 6">
+            <a:extLst>
+              <a:ext uri="{FF2B5EF4-FFF2-40B4-BE49-F238E27FC236}">
+                <a16:creationId xmlns:a16="http://schemas.microsoft.com/office/drawing/2014/main" id="{F32F760B-CFFC-470C-BAE3-807A7EE5A898}"/>
+              </a:ext>
+            </a:extLst>
+          </p:cNvPr>
+          <p:cNvPicPr>
+            <a:picLocks noChangeAspect="1"/>
+          </p:cNvPicPr>
+          <p:nvPr/>
+        </p:nvPicPr>
+        <p:blipFill>
+          <a:blip r:embed="rId2">
+            <a:extLst>
+              <a:ext uri="{28A0092B-C50C-407E-A947-70E740481C1C}">
+                <a14:useLocalDpi xmlns:a14="http://schemas.microsoft.com/office/drawing/2010/main" val="0"/>
+              </a:ext>
+            </a:extLst>
+          </a:blip>
+          <a:stretch>
+            <a:fillRect/>
+          </a:stretch>
+        </p:blipFill>
+        <p:spPr>
+          <a:xfrm>
+            <a:off x="9120026" y="195209"/>
+            <a:ext cx="2614774" cy="2614774"/>
+          </a:xfrm>
+          <a:prstGeom prst="rect">
+            <a:avLst/>
+          </a:prstGeom>
+        </p:spPr>
+      </p:pic>
     </p:spTree>
     <p:extLst>
       <p:ext uri="{BB962C8B-B14F-4D97-AF65-F5344CB8AC3E}">

--- a/presentation.pptx
+++ b/presentation.pptx
@@ -3453,7 +3453,9 @@
           </a:xfrm>
         </p:spPr>
         <p:txBody>
-          <a:bodyPr/>
+          <a:bodyPr>
+            <a:normAutofit lnSpcReduction="10000"/>
+          </a:bodyPr>
           <a:lstStyle/>
           <a:p>
             <a:pPr algn="l"/>
@@ -3467,6 +3469,58 @@
                 <a:latin typeface="Proxima Nova" panose="02000506030000020004" pitchFamily="50" charset="0"/>
               </a:rPr>
               <a:t>Журавский Игорь</a:t>
+            </a:r>
+            <a:br>
+              <a:rPr lang="en-US" dirty="0">
+                <a:solidFill>
+                  <a:schemeClr val="bg2">
+                    <a:lumMod val="10000"/>
+                  </a:schemeClr>
+                </a:solidFill>
+                <a:latin typeface="Proxima Nova" panose="02000506030000020004" pitchFamily="50" charset="0"/>
+              </a:rPr>
+            </a:br>
+            <a:br>
+              <a:rPr lang="en-US" dirty="0">
+                <a:solidFill>
+                  <a:schemeClr val="bg2">
+                    <a:lumMod val="10000"/>
+                  </a:schemeClr>
+                </a:solidFill>
+                <a:latin typeface="Proxima Nova" panose="02000506030000020004" pitchFamily="50" charset="0"/>
+              </a:rPr>
+            </a:br>
+            <a:br>
+              <a:rPr lang="en-US" dirty="0">
+                <a:solidFill>
+                  <a:schemeClr val="bg2">
+                    <a:lumMod val="10000"/>
+                  </a:schemeClr>
+                </a:solidFill>
+                <a:latin typeface="Proxima Nova" panose="02000506030000020004" pitchFamily="50" charset="0"/>
+              </a:rPr>
+            </a:br>
+            <a:br>
+              <a:rPr lang="en-US" dirty="0">
+                <a:solidFill>
+                  <a:schemeClr val="bg2">
+                    <a:lumMod val="10000"/>
+                  </a:schemeClr>
+                </a:solidFill>
+                <a:latin typeface="Proxima Nova" panose="02000506030000020004" pitchFamily="50" charset="0"/>
+              </a:rPr>
+            </a:br>
+            <a:r>
+              <a:rPr lang="en-US" dirty="0">
+                <a:solidFill>
+                  <a:schemeClr val="bg2">
+                    <a:lumMod val="10000"/>
+                  </a:schemeClr>
+                </a:solidFill>
+                <a:latin typeface="Proxima Nova" panose="02000506030000020004" pitchFamily="50" charset="0"/>
+                <a:hlinkClick r:id="rId2"/>
+              </a:rPr>
+              <a:t>https://github.com/buljad/Computer-modelling</a:t>
             </a:r>
             <a:endParaRPr lang="ru-RU" dirty="0">
               <a:solidFill>
@@ -4021,6 +4075,17 @@
                 </a:solidFill>
                 <a:latin typeface="Proxima Nova" panose="02000506030000020004" pitchFamily="50" charset="0"/>
               </a:rPr>
+              <a:t>(Number of Points Inside Shape​) / </a:t>
+            </a:r>
+          </a:p>
+          <a:p>
+            <a:r>
+              <a:rPr lang="en-US" sz="4400" dirty="0">
+                <a:solidFill>
+                  <a:schemeClr val="bg1"/>
+                </a:solidFill>
+                <a:latin typeface="Proxima Nova" panose="02000506030000020004" pitchFamily="50" charset="0"/>
+              </a:rPr>
               <a:t>(Total Number of Points</a:t>
             </a:r>
             <a:r>
@@ -4030,17 +4095,14 @@
                 </a:solidFill>
                 <a:latin typeface="Proxima Nova" panose="02000506030000020004" pitchFamily="50" charset="0"/>
               </a:rPr>
-              <a:t>) </a:t>
-            </a:r>
-            <a:r>
-              <a:rPr lang="en-US" sz="4400" dirty="0">
-                <a:solidFill>
-                  <a:schemeClr val="bg1"/>
-                </a:solidFill>
-                <a:latin typeface="Proxima Nova" panose="02000506030000020004" pitchFamily="50" charset="0"/>
-              </a:rPr>
-              <a:t>/ (Number of Points Inside Shape​) </a:t>
-            </a:r>
+              <a:t>)</a:t>
+            </a:r>
+            <a:endParaRPr lang="en-US" sz="4400" dirty="0">
+              <a:solidFill>
+                <a:schemeClr val="bg1"/>
+              </a:solidFill>
+              <a:latin typeface="Proxima Nova" panose="02000506030000020004" pitchFamily="50" charset="0"/>
+            </a:endParaRPr>
           </a:p>
           <a:p>
             <a:r>
@@ -4435,10 +4497,10 @@
       </p:sp>
       <p:pic>
         <p:nvPicPr>
-          <p:cNvPr id="6" name="Рисунок 5">
-            <a:extLst>
-              <a:ext uri="{FF2B5EF4-FFF2-40B4-BE49-F238E27FC236}">
-                <a16:creationId xmlns:a16="http://schemas.microsoft.com/office/drawing/2014/main" id="{430A4A16-1EB5-4E9A-57B5-C2BFDFAD2502}"/>
+          <p:cNvPr id="7" name="Рисунок 6">
+            <a:extLst>
+              <a:ext uri="{FF2B5EF4-FFF2-40B4-BE49-F238E27FC236}">
+                <a16:creationId xmlns:a16="http://schemas.microsoft.com/office/drawing/2014/main" id="{93F93AB0-BA80-1FC8-DB11-B6ECE22EF919}"/>
               </a:ext>
             </a:extLst>
           </p:cNvPr>
@@ -4455,8 +4517,8 @@
         </p:blipFill>
         <p:spPr>
           <a:xfrm>
-            <a:off x="400406" y="2800968"/>
-            <a:ext cx="9746953" cy="1869004"/>
+            <a:off x="669144" y="2551458"/>
+            <a:ext cx="8831185" cy="1556779"/>
           </a:xfrm>
           <a:prstGeom prst="rect">
             <a:avLst/>
@@ -6053,14 +6115,14 @@
           </a:p>
         </p:txBody>
       </p:sp>
-      <mc:AlternateContent xmlns:mc="http://schemas.openxmlformats.org/markup-compatibility/2006" xmlns:a14="http://schemas.microsoft.com/office/drawing/2010/main">
-        <mc:Choice Requires="a14">
+      <mc:AlternateContent xmlns:mc="http://schemas.openxmlformats.org/markup-compatibility/2006">
+        <mc:Choice xmlns:a14="http://schemas.microsoft.com/office/drawing/2010/main" Requires="a14">
           <p:sp>
             <p:nvSpPr>
-              <p:cNvPr id="5" name="TextBox 4">
+              <p:cNvPr id="6" name="TextBox 5">
                 <a:extLst>
                   <a:ext uri="{FF2B5EF4-FFF2-40B4-BE49-F238E27FC236}">
-                    <a16:creationId xmlns:a16="http://schemas.microsoft.com/office/drawing/2014/main" id="{07C8FC3C-3398-0DC3-9DE0-432CBD33C0D7}"/>
+                    <a16:creationId xmlns:a16="http://schemas.microsoft.com/office/drawing/2014/main" id="{810CAC3E-624D-8CE6-8AF9-4C1E9540F925}"/>
                   </a:ext>
                 </a:extLst>
               </p:cNvPr>
@@ -6069,8 +6131,8 @@
             </p:nvSpPr>
             <p:spPr>
               <a:xfrm>
-                <a:off x="1581150" y="2462087"/>
-                <a:ext cx="8394221" cy="1697709"/>
+                <a:off x="774404" y="2610571"/>
+                <a:ext cx="10503196" cy="1636858"/>
               </a:xfrm>
               <a:prstGeom prst="rect">
                 <a:avLst/>
@@ -6083,7 +6145,6 @@
               </a:bodyPr>
               <a:lstStyle/>
               <a:p>
-                <a:pPr/>
                 <a14:m>
                   <m:oMathPara xmlns:m="http://schemas.openxmlformats.org/officeDocument/2006/math">
                     <m:oMathParaPr>
@@ -6091,55 +6152,67 @@
                     </m:oMathParaPr>
                     <m:oMath xmlns:m="http://schemas.openxmlformats.org/officeDocument/2006/math">
                       <m:r>
-                        <a:rPr lang="en-US" sz="4800" b="1" i="1" smtClean="0">
+                        <a:rPr lang="en-US" sz="3600" b="1" i="1" smtClean="0">
                           <a:latin typeface="Cambria Math" panose="02040503050406030204" pitchFamily="18" charset="0"/>
                         </a:rPr>
                         <m:t>𝑬𝒓𝒓𝒐𝒓</m:t>
                       </m:r>
                       <m:r>
-                        <a:rPr lang="en-US" sz="4800" b="1" i="1" smtClean="0">
+                        <a:rPr lang="en-US" sz="3600" b="1" i="1" smtClean="0">
                           <a:latin typeface="Cambria Math" panose="02040503050406030204" pitchFamily="18" charset="0"/>
                         </a:rPr>
-                        <m:t>=</m:t>
+                        <m:t>= </m:t>
                       </m:r>
-                      <m:f>
-                        <m:fPr>
+                      <m:rad>
+                        <m:radPr>
+                          <m:degHide m:val="on"/>
                           <m:ctrlPr>
-                            <a:rPr lang="en-US" sz="4800" b="1" i="1" smtClean="0">
+                            <a:rPr lang="en-US" sz="3600" b="1" i="1" smtClean="0">
                               <a:latin typeface="Cambria Math" panose="02040503050406030204" pitchFamily="18" charset="0"/>
                             </a:rPr>
                           </m:ctrlPr>
-                        </m:fPr>
-                        <m:num>
-                          <m:r>
-                            <a:rPr lang="en-US" sz="4800" b="1" i="1" smtClean="0">
-                              <a:latin typeface="Cambria Math" panose="02040503050406030204" pitchFamily="18" charset="0"/>
-                            </a:rPr>
-                            <m:t>𝟏</m:t>
-                          </m:r>
-                        </m:num>
-                        <m:den>
-                          <m:rad>
-                            <m:radPr>
-                              <m:degHide m:val="on"/>
+                        </m:radPr>
+                        <m:deg/>
+                        <m:e>
+                          <m:f>
+                            <m:fPr>
                               <m:ctrlPr>
-                                <a:rPr lang="en-US" sz="4800" b="1" i="1" smtClean="0">
+                                <a:rPr lang="en-US" sz="3600" b="1" i="1" smtClean="0">
                                   <a:latin typeface="Cambria Math" panose="02040503050406030204" pitchFamily="18" charset="0"/>
                                 </a:rPr>
                               </m:ctrlPr>
-                            </m:radPr>
-                            <m:deg/>
-                            <m:e>
+                            </m:fPr>
+                            <m:num>
                               <m:r>
-                                <a:rPr lang="en-US" sz="4800" b="1" i="1" smtClean="0">
+                                <a:rPr lang="en-US" sz="3600" b="1" i="1" smtClean="0">
+                                  <a:latin typeface="Cambria Math" panose="02040503050406030204" pitchFamily="18" charset="0"/>
+                                </a:rPr>
+                                <m:t>𝑫𝒐𝒎𝒂𝒊𝒏𝑨𝒓𝒆𝒂</m:t>
+                              </m:r>
+                            </m:num>
+                            <m:den>
+                              <m:r>
+                                <a:rPr lang="en-US" sz="3600" b="1" i="1" smtClean="0">
+                                  <a:latin typeface="Cambria Math" panose="02040503050406030204" pitchFamily="18" charset="0"/>
+                                </a:rPr>
+                                <m:t>𝑻𝒓𝒖𝒆𝑨𝒓𝒆𝒂𝑺𝒉𝒂𝒑𝒆</m:t>
+                              </m:r>
+                              <m:r>
+                                <a:rPr lang="en-US" sz="3600" b="1" i="1" smtClean="0">
+                                  <a:latin typeface="Cambria Math" panose="02040503050406030204" pitchFamily="18" charset="0"/>
+                                </a:rPr>
+                                <m:t> ∗</m:t>
+                              </m:r>
+                              <m:r>
+                                <a:rPr lang="en-US" sz="3600" b="1" i="1" smtClean="0">
                                   <a:latin typeface="Cambria Math" panose="02040503050406030204" pitchFamily="18" charset="0"/>
                                 </a:rPr>
                                 <m:t>𝑵𝒖𝒎𝒃𝒆𝒓𝑶𝒇𝑷𝒐𝒊𝒏𝒕𝒔</m:t>
                               </m:r>
-                            </m:e>
-                          </m:rad>
-                        </m:den>
-                      </m:f>
+                            </m:den>
+                          </m:f>
+                        </m:e>
+                      </m:rad>
                     </m:oMath>
                   </m:oMathPara>
                 </a14:m>
@@ -6148,13 +6221,13 @@
             </p:txBody>
           </p:sp>
         </mc:Choice>
-        <mc:Fallback xmlns="">
+        <mc:Fallback>
           <p:sp>
             <p:nvSpPr>
-              <p:cNvPr id="5" name="TextBox 4">
+              <p:cNvPr id="6" name="TextBox 5">
                 <a:extLst>
                   <a:ext uri="{FF2B5EF4-FFF2-40B4-BE49-F238E27FC236}">
-                    <a16:creationId xmlns:a16="http://schemas.microsoft.com/office/drawing/2014/main" id="{07C8FC3C-3398-0DC3-9DE0-432CBD33C0D7}"/>
+                    <a16:creationId xmlns:a16="http://schemas.microsoft.com/office/drawing/2014/main" id="{810CAC3E-624D-8CE6-8AF9-4C1E9540F925}"/>
                   </a:ext>
                 </a:extLst>
               </p:cNvPr>
@@ -6165,8 +6238,8 @@
             </p:nvSpPr>
             <p:spPr>
               <a:xfrm>
-                <a:off x="1581150" y="2462087"/>
-                <a:ext cx="8394221" cy="1697709"/>
+                <a:off x="774404" y="2610571"/>
+                <a:ext cx="10503196" cy="1636858"/>
               </a:xfrm>
               <a:prstGeom prst="rect">
                 <a:avLst/>
@@ -6366,10 +6439,10 @@
       </p:sp>
       <p:pic>
         <p:nvPicPr>
-          <p:cNvPr id="6" name="Рисунок 5">
-            <a:extLst>
-              <a:ext uri="{FF2B5EF4-FFF2-40B4-BE49-F238E27FC236}">
-                <a16:creationId xmlns:a16="http://schemas.microsoft.com/office/drawing/2014/main" id="{E9F5D9DF-F65E-6A33-5E2C-7EDC1A4590E4}"/>
+          <p:cNvPr id="7" name="Рисунок 6">
+            <a:extLst>
+              <a:ext uri="{FF2B5EF4-FFF2-40B4-BE49-F238E27FC236}">
+                <a16:creationId xmlns:a16="http://schemas.microsoft.com/office/drawing/2014/main" id="{77DCFEF9-DA49-E229-52A9-D70543516218}"/>
               </a:ext>
             </a:extLst>
           </p:cNvPr>
@@ -6392,8 +6465,8 @@
         </p:blipFill>
         <p:spPr>
           <a:xfrm>
-            <a:off x="239486" y="1718717"/>
-            <a:ext cx="9564914" cy="4573225"/>
+            <a:off x="239486" y="1692336"/>
+            <a:ext cx="9836246" cy="4702955"/>
           </a:xfrm>
           <a:prstGeom prst="rect">
             <a:avLst/>
@@ -6797,10 +6870,10 @@
       </p:sp>
       <p:pic>
         <p:nvPicPr>
-          <p:cNvPr id="7" name="Рисунок 6">
-            <a:extLst>
-              <a:ext uri="{FF2B5EF4-FFF2-40B4-BE49-F238E27FC236}">
-                <a16:creationId xmlns:a16="http://schemas.microsoft.com/office/drawing/2014/main" id="{40E52A45-72D3-8932-C9F0-8671786991CF}"/>
+          <p:cNvPr id="6" name="Рисунок 5">
+            <a:extLst>
+              <a:ext uri="{FF2B5EF4-FFF2-40B4-BE49-F238E27FC236}">
+                <a16:creationId xmlns:a16="http://schemas.microsoft.com/office/drawing/2014/main" id="{513B8E37-A6D8-64FE-F704-066C53592B86}"/>
               </a:ext>
             </a:extLst>
           </p:cNvPr>
@@ -6817,8 +6890,8 @@
         </p:blipFill>
         <p:spPr>
           <a:xfrm>
-            <a:off x="475800" y="2169993"/>
-            <a:ext cx="10606051" cy="2808407"/>
+            <a:off x="557956" y="2384343"/>
+            <a:ext cx="9714045" cy="2661382"/>
           </a:xfrm>
           <a:prstGeom prst="rect">
             <a:avLst/>
